--- a/External Function/autocorrect_Speller.pptx
+++ b/External Function/autocorrect_Speller.pptx
@@ -8,6 +8,8 @@
     <p:sldId id="256" r:id="rId2"/>
     <p:sldId id="257" r:id="rId3"/>
     <p:sldId id="258" r:id="rId4"/>
+    <p:sldId id="259" r:id="rId5"/>
+    <p:sldId id="260" r:id="rId6"/>
   </p:sldIdLst>
   <p:sldSz cx="12192000" cy="6858000"/>
   <p:notesSz cx="6858000" cy="9144000"/>
@@ -106,7 +108,20 @@
       </a:defRPr>
     </a:lvl9pPr>
   </p:defaultTextStyle>
+  <p:extLst>
+    <p:ext uri="{EFAFB233-063F-42B5-8137-9DF3F51BA10A}">
+      <p15:sldGuideLst xmlns:p15="http://schemas.microsoft.com/office/powerpoint/2012/main"/>
+    </p:ext>
+  </p:extLst>
 </p:presentation>
+</file>
+
+<file path=ppt/revisionInfo.xml><?xml version="1.0" encoding="utf-8"?>
+<p1510:revInfo xmlns:a="http://schemas.openxmlformats.org/drawingml/2006/main" xmlns:r="http://schemas.openxmlformats.org/officeDocument/2006/relationships" xmlns:p1510="http://schemas.microsoft.com/office/powerpoint/2015/10/main">
+  <p1510:revLst>
+    <p1510:client id="{488371D9-A3B8-4A96-A8ED-B52C0C190724}" v="17" dt="2022-11-25T08:43:43.899"/>
+  </p1510:revLst>
+</p1510:revInfo>
 </file>
 
 <file path=ppt/changesInfos/changesInfo1.xml><?xml version="1.0" encoding="utf-8"?>
@@ -114,18 +129,18 @@
   <pc:docChgLst>
     <pc:chgData name="Yan Jin" userId="7c88f434-565a-46b1-8f53-9e8c724af2d1" providerId="ADAL" clId="{488371D9-A3B8-4A96-A8ED-B52C0C190724}"/>
     <pc:docChg chg="undo custSel addSld modSld">
-      <pc:chgData name="Yan Jin" userId="7c88f434-565a-46b1-8f53-9e8c724af2d1" providerId="ADAL" clId="{488371D9-A3B8-4A96-A8ED-B52C0C190724}" dt="2022-11-24T09:59:18.098" v="380" actId="20577"/>
+      <pc:chgData name="Yan Jin" userId="7c88f434-565a-46b1-8f53-9e8c724af2d1" providerId="ADAL" clId="{488371D9-A3B8-4A96-A8ED-B52C0C190724}" dt="2022-11-25T08:43:43.895" v="469" actId="20577"/>
       <pc:docMkLst>
         <pc:docMk/>
       </pc:docMkLst>
       <pc:sldChg chg="modSp new mod">
-        <pc:chgData name="Yan Jin" userId="7c88f434-565a-46b1-8f53-9e8c724af2d1" providerId="ADAL" clId="{488371D9-A3B8-4A96-A8ED-B52C0C190724}" dt="2022-11-24T09:54:20.723" v="51" actId="20577"/>
+        <pc:chgData name="Yan Jin" userId="7c88f434-565a-46b1-8f53-9e8c724af2d1" providerId="ADAL" clId="{488371D9-A3B8-4A96-A8ED-B52C0C190724}" dt="2022-11-25T08:41:38.109" v="445" actId="2711"/>
         <pc:sldMkLst>
           <pc:docMk/>
           <pc:sldMk cId="3235158250" sldId="256"/>
         </pc:sldMkLst>
         <pc:spChg chg="mod">
-          <ac:chgData name="Yan Jin" userId="7c88f434-565a-46b1-8f53-9e8c724af2d1" providerId="ADAL" clId="{488371D9-A3B8-4A96-A8ED-B52C0C190724}" dt="2022-11-24T09:54:03.689" v="23" actId="20577"/>
+          <ac:chgData name="Yan Jin" userId="7c88f434-565a-46b1-8f53-9e8c724af2d1" providerId="ADAL" clId="{488371D9-A3B8-4A96-A8ED-B52C0C190724}" dt="2022-11-25T08:41:31.245" v="444" actId="2711"/>
           <ac:spMkLst>
             <pc:docMk/>
             <pc:sldMk cId="3235158250" sldId="256"/>
@@ -133,7 +148,7 @@
           </ac:spMkLst>
         </pc:spChg>
         <pc:spChg chg="mod">
-          <ac:chgData name="Yan Jin" userId="7c88f434-565a-46b1-8f53-9e8c724af2d1" providerId="ADAL" clId="{488371D9-A3B8-4A96-A8ED-B52C0C190724}" dt="2022-11-24T09:54:20.723" v="51" actId="20577"/>
+          <ac:chgData name="Yan Jin" userId="7c88f434-565a-46b1-8f53-9e8c724af2d1" providerId="ADAL" clId="{488371D9-A3B8-4A96-A8ED-B52C0C190724}" dt="2022-11-25T08:41:38.109" v="445" actId="2711"/>
           <ac:spMkLst>
             <pc:docMk/>
             <pc:sldMk cId="3235158250" sldId="256"/>
@@ -142,13 +157,13 @@
         </pc:spChg>
       </pc:sldChg>
       <pc:sldChg chg="modSp new mod">
-        <pc:chgData name="Yan Jin" userId="7c88f434-565a-46b1-8f53-9e8c724af2d1" providerId="ADAL" clId="{488371D9-A3B8-4A96-A8ED-B52C0C190724}" dt="2022-11-24T09:57:52.467" v="288" actId="20577"/>
+        <pc:chgData name="Yan Jin" userId="7c88f434-565a-46b1-8f53-9e8c724af2d1" providerId="ADAL" clId="{488371D9-A3B8-4A96-A8ED-B52C0C190724}" dt="2022-11-25T08:41:58.925" v="449" actId="113"/>
         <pc:sldMkLst>
           <pc:docMk/>
           <pc:sldMk cId="1100779896" sldId="257"/>
         </pc:sldMkLst>
         <pc:spChg chg="mod">
-          <ac:chgData name="Yan Jin" userId="7c88f434-565a-46b1-8f53-9e8c724af2d1" providerId="ADAL" clId="{488371D9-A3B8-4A96-A8ED-B52C0C190724}" dt="2022-11-24T09:54:50.026" v="69" actId="20577"/>
+          <ac:chgData name="Yan Jin" userId="7c88f434-565a-46b1-8f53-9e8c724af2d1" providerId="ADAL" clId="{488371D9-A3B8-4A96-A8ED-B52C0C190724}" dt="2022-11-25T08:41:45.213" v="446" actId="2711"/>
           <ac:spMkLst>
             <pc:docMk/>
             <pc:sldMk cId="1100779896" sldId="257"/>
@@ -156,7 +171,7 @@
           </ac:spMkLst>
         </pc:spChg>
         <pc:spChg chg="mod">
-          <ac:chgData name="Yan Jin" userId="7c88f434-565a-46b1-8f53-9e8c724af2d1" providerId="ADAL" clId="{488371D9-A3B8-4A96-A8ED-B52C0C190724}" dt="2022-11-24T09:57:52.467" v="288" actId="20577"/>
+          <ac:chgData name="Yan Jin" userId="7c88f434-565a-46b1-8f53-9e8c724af2d1" providerId="ADAL" clId="{488371D9-A3B8-4A96-A8ED-B52C0C190724}" dt="2022-11-25T08:41:58.925" v="449" actId="113"/>
           <ac:spMkLst>
             <pc:docMk/>
             <pc:sldMk cId="1100779896" sldId="257"/>
@@ -164,26 +179,160 @@
           </ac:spMkLst>
         </pc:spChg>
       </pc:sldChg>
-      <pc:sldChg chg="modSp new mod">
-        <pc:chgData name="Yan Jin" userId="7c88f434-565a-46b1-8f53-9e8c724af2d1" providerId="ADAL" clId="{488371D9-A3B8-4A96-A8ED-B52C0C190724}" dt="2022-11-24T09:59:18.098" v="380" actId="20577"/>
+      <pc:sldChg chg="addSp delSp modSp new mod">
+        <pc:chgData name="Yan Jin" userId="7c88f434-565a-46b1-8f53-9e8c724af2d1" providerId="ADAL" clId="{488371D9-A3B8-4A96-A8ED-B52C0C190724}" dt="2022-11-25T08:42:11.101" v="450" actId="2711"/>
         <pc:sldMkLst>
           <pc:docMk/>
           <pc:sldMk cId="455518959" sldId="258"/>
         </pc:sldMkLst>
         <pc:spChg chg="mod">
-          <ac:chgData name="Yan Jin" userId="7c88f434-565a-46b1-8f53-9e8c724af2d1" providerId="ADAL" clId="{488371D9-A3B8-4A96-A8ED-B52C0C190724}" dt="2022-11-24T09:58:13.424" v="303" actId="20577"/>
+          <ac:chgData name="Yan Jin" userId="7c88f434-565a-46b1-8f53-9e8c724af2d1" providerId="ADAL" clId="{488371D9-A3B8-4A96-A8ED-B52C0C190724}" dt="2022-11-25T08:42:11.101" v="450" actId="2711"/>
           <ac:spMkLst>
             <pc:docMk/>
             <pc:sldMk cId="455518959" sldId="258"/>
             <ac:spMk id="2" creationId="{904FBAE0-6C57-2CF8-6B8E-3A3874E75C7E}"/>
           </ac:spMkLst>
         </pc:spChg>
-        <pc:spChg chg="mod">
-          <ac:chgData name="Yan Jin" userId="7c88f434-565a-46b1-8f53-9e8c724af2d1" providerId="ADAL" clId="{488371D9-A3B8-4A96-A8ED-B52C0C190724}" dt="2022-11-24T09:59:18.098" v="380" actId="20577"/>
+        <pc:spChg chg="del mod">
+          <ac:chgData name="Yan Jin" userId="7c88f434-565a-46b1-8f53-9e8c724af2d1" providerId="ADAL" clId="{488371D9-A3B8-4A96-A8ED-B52C0C190724}" dt="2022-11-25T08:33:05.488" v="385" actId="931"/>
           <ac:spMkLst>
             <pc:docMk/>
             <pc:sldMk cId="455518959" sldId="258"/>
             <ac:spMk id="3" creationId="{57CAEB7B-E940-1AC1-7942-8F1182410F32}"/>
+          </ac:spMkLst>
+        </pc:spChg>
+        <pc:spChg chg="add del mod">
+          <ac:chgData name="Yan Jin" userId="7c88f434-565a-46b1-8f53-9e8c724af2d1" providerId="ADAL" clId="{488371D9-A3B8-4A96-A8ED-B52C0C190724}" dt="2022-11-25T08:33:41.364" v="389" actId="931"/>
+          <ac:spMkLst>
+            <pc:docMk/>
+            <pc:sldMk cId="455518959" sldId="258"/>
+            <ac:spMk id="7" creationId="{985F1EB2-4289-1608-0EC0-D086DBEEC169}"/>
+          </ac:spMkLst>
+        </pc:spChg>
+        <pc:spChg chg="add del mod">
+          <ac:chgData name="Yan Jin" userId="7c88f434-565a-46b1-8f53-9e8c724af2d1" providerId="ADAL" clId="{488371D9-A3B8-4A96-A8ED-B52C0C190724}" dt="2022-11-25T08:34:13.911" v="392" actId="931"/>
+          <ac:spMkLst>
+            <pc:docMk/>
+            <pc:sldMk cId="455518959" sldId="258"/>
+            <ac:spMk id="11" creationId="{8D251A6A-C9E1-6321-D99B-49DD166FC63D}"/>
+          </ac:spMkLst>
+        </pc:spChg>
+        <pc:picChg chg="add del mod">
+          <ac:chgData name="Yan Jin" userId="7c88f434-565a-46b1-8f53-9e8c724af2d1" providerId="ADAL" clId="{488371D9-A3B8-4A96-A8ED-B52C0C190724}" dt="2022-11-25T08:33:35.821" v="388" actId="478"/>
+          <ac:picMkLst>
+            <pc:docMk/>
+            <pc:sldMk cId="455518959" sldId="258"/>
+            <ac:picMk id="5" creationId="{6675903F-5F35-EEF0-4EE2-F4276F06BEB4}"/>
+          </ac:picMkLst>
+        </pc:picChg>
+        <pc:picChg chg="add del mod">
+          <ac:chgData name="Yan Jin" userId="7c88f434-565a-46b1-8f53-9e8c724af2d1" providerId="ADAL" clId="{488371D9-A3B8-4A96-A8ED-B52C0C190724}" dt="2022-11-25T08:34:07.605" v="391" actId="478"/>
+          <ac:picMkLst>
+            <pc:docMk/>
+            <pc:sldMk cId="455518959" sldId="258"/>
+            <ac:picMk id="9" creationId="{0467CD36-8374-F227-E3A0-F94438309097}"/>
+          </ac:picMkLst>
+        </pc:picChg>
+        <pc:picChg chg="add mod">
+          <ac:chgData name="Yan Jin" userId="7c88f434-565a-46b1-8f53-9e8c724af2d1" providerId="ADAL" clId="{488371D9-A3B8-4A96-A8ED-B52C0C190724}" dt="2022-11-25T08:34:15.003" v="394" actId="962"/>
+          <ac:picMkLst>
+            <pc:docMk/>
+            <pc:sldMk cId="455518959" sldId="258"/>
+            <ac:picMk id="13" creationId="{E77E7753-1160-2AE0-7614-30781FCE3A73}"/>
+          </ac:picMkLst>
+        </pc:picChg>
+      </pc:sldChg>
+      <pc:sldChg chg="addSp delSp modSp new mod">
+        <pc:chgData name="Yan Jin" userId="7c88f434-565a-46b1-8f53-9e8c724af2d1" providerId="ADAL" clId="{488371D9-A3B8-4A96-A8ED-B52C0C190724}" dt="2022-11-25T08:42:18.782" v="451" actId="2711"/>
+        <pc:sldMkLst>
+          <pc:docMk/>
+          <pc:sldMk cId="3197501897" sldId="259"/>
+        </pc:sldMkLst>
+        <pc:spChg chg="mod">
+          <ac:chgData name="Yan Jin" userId="7c88f434-565a-46b1-8f53-9e8c724af2d1" providerId="ADAL" clId="{488371D9-A3B8-4A96-A8ED-B52C0C190724}" dt="2022-11-25T08:42:18.782" v="451" actId="2711"/>
+          <ac:spMkLst>
+            <pc:docMk/>
+            <pc:sldMk cId="3197501897" sldId="259"/>
+            <ac:spMk id="2" creationId="{0BD499FA-4748-1D18-F1D6-6B6F9356545A}"/>
+          </ac:spMkLst>
+        </pc:spChg>
+        <pc:spChg chg="del">
+          <ac:chgData name="Yan Jin" userId="7c88f434-565a-46b1-8f53-9e8c724af2d1" providerId="ADAL" clId="{488371D9-A3B8-4A96-A8ED-B52C0C190724}" dt="2022-11-25T08:36:50.746" v="413" actId="931"/>
+          <ac:spMkLst>
+            <pc:docMk/>
+            <pc:sldMk cId="3197501897" sldId="259"/>
+            <ac:spMk id="3" creationId="{0B879421-D8E5-2C3E-0210-0E0B2E4DFAA8}"/>
+          </ac:spMkLst>
+        </pc:spChg>
+        <pc:spChg chg="add del mod">
+          <ac:chgData name="Yan Jin" userId="7c88f434-565a-46b1-8f53-9e8c724af2d1" providerId="ADAL" clId="{488371D9-A3B8-4A96-A8ED-B52C0C190724}" dt="2022-11-25T08:41:13.610" v="443"/>
+          <ac:spMkLst>
+            <pc:docMk/>
+            <pc:sldMk cId="3197501897" sldId="259"/>
+            <ac:spMk id="6" creationId="{BD1C2B5B-DF9C-011F-34B4-34018E85A769}"/>
+          </ac:spMkLst>
+        </pc:spChg>
+        <pc:spChg chg="add del">
+          <ac:chgData name="Yan Jin" userId="7c88f434-565a-46b1-8f53-9e8c724af2d1" providerId="ADAL" clId="{488371D9-A3B8-4A96-A8ED-B52C0C190724}" dt="2022-11-25T08:38:08.049" v="426"/>
+          <ac:spMkLst>
+            <pc:docMk/>
+            <pc:sldMk cId="3197501897" sldId="259"/>
+            <ac:spMk id="7" creationId="{FD752A2D-32D4-AF5B-E1AB-22086F7A1103}"/>
+          </ac:spMkLst>
+        </pc:spChg>
+        <pc:spChg chg="add del mod">
+          <ac:chgData name="Yan Jin" userId="7c88f434-565a-46b1-8f53-9e8c724af2d1" providerId="ADAL" clId="{488371D9-A3B8-4A96-A8ED-B52C0C190724}" dt="2022-11-25T08:38:16.548" v="430"/>
+          <ac:spMkLst>
+            <pc:docMk/>
+            <pc:sldMk cId="3197501897" sldId="259"/>
+            <ac:spMk id="8" creationId="{5563E6DC-2901-0EC7-8035-539B8DAFA85B}"/>
+          </ac:spMkLst>
+        </pc:spChg>
+        <pc:spChg chg="add del">
+          <ac:chgData name="Yan Jin" userId="7c88f434-565a-46b1-8f53-9e8c724af2d1" providerId="ADAL" clId="{488371D9-A3B8-4A96-A8ED-B52C0C190724}" dt="2022-11-25T08:38:22.243" v="433"/>
+          <ac:spMkLst>
+            <pc:docMk/>
+            <pc:sldMk cId="3197501897" sldId="259"/>
+            <ac:spMk id="9" creationId="{882587A8-9DF9-5F39-6530-04C941BA7D71}"/>
+          </ac:spMkLst>
+        </pc:spChg>
+        <pc:picChg chg="add mod">
+          <ac:chgData name="Yan Jin" userId="7c88f434-565a-46b1-8f53-9e8c724af2d1" providerId="ADAL" clId="{488371D9-A3B8-4A96-A8ED-B52C0C190724}" dt="2022-11-25T08:37:22.060" v="419" actId="1076"/>
+          <ac:picMkLst>
+            <pc:docMk/>
+            <pc:sldMk cId="3197501897" sldId="259"/>
+            <ac:picMk id="5" creationId="{E560CCF4-B511-FB67-A186-A55C29FCDBC3}"/>
+          </ac:picMkLst>
+        </pc:picChg>
+        <pc:picChg chg="add mod">
+          <ac:chgData name="Yan Jin" userId="7c88f434-565a-46b1-8f53-9e8c724af2d1" providerId="ADAL" clId="{488371D9-A3B8-4A96-A8ED-B52C0C190724}" dt="2022-11-25T08:41:12.793" v="441" actId="1076"/>
+          <ac:picMkLst>
+            <pc:docMk/>
+            <pc:sldMk cId="3197501897" sldId="259"/>
+            <ac:picMk id="11" creationId="{766DF1A2-2DEE-BAEB-1DF1-E8C8BAFC8052}"/>
+          </ac:picMkLst>
+        </pc:picChg>
+      </pc:sldChg>
+      <pc:sldChg chg="modSp new mod">
+        <pc:chgData name="Yan Jin" userId="7c88f434-565a-46b1-8f53-9e8c724af2d1" providerId="ADAL" clId="{488371D9-A3B8-4A96-A8ED-B52C0C190724}" dt="2022-11-25T08:43:43.895" v="469" actId="20577"/>
+        <pc:sldMkLst>
+          <pc:docMk/>
+          <pc:sldMk cId="3408809354" sldId="260"/>
+        </pc:sldMkLst>
+        <pc:spChg chg="mod">
+          <ac:chgData name="Yan Jin" userId="7c88f434-565a-46b1-8f53-9e8c724af2d1" providerId="ADAL" clId="{488371D9-A3B8-4A96-A8ED-B52C0C190724}" dt="2022-11-25T08:42:58.095" v="462" actId="20577"/>
+          <ac:spMkLst>
+            <pc:docMk/>
+            <pc:sldMk cId="3408809354" sldId="260"/>
+            <ac:spMk id="2" creationId="{D04FE546-C9A4-7286-5975-5690FAFA352C}"/>
+          </ac:spMkLst>
+        </pc:spChg>
+        <pc:spChg chg="mod">
+          <ac:chgData name="Yan Jin" userId="7c88f434-565a-46b1-8f53-9e8c724af2d1" providerId="ADAL" clId="{488371D9-A3B8-4A96-A8ED-B52C0C190724}" dt="2022-11-25T08:43:43.895" v="469" actId="20577"/>
+          <ac:spMkLst>
+            <pc:docMk/>
+            <pc:sldMk cId="3408809354" sldId="260"/>
+            <ac:spMk id="3" creationId="{01C0AC92-B567-64F0-F961-BBCFBB2B6A45}"/>
           </ac:spMkLst>
         </pc:spChg>
       </pc:sldChg>
@@ -341,7 +490,7 @@
           <a:p>
             <a:fld id="{BF735079-B7C7-43A0-B3B1-06810D1A2A92}" type="datetimeFigureOut">
               <a:rPr lang="zh-CN" altLang="en-US" smtClean="0"/>
-              <a:t>2022/11/24</a:t>
+              <a:t>2022/11/25</a:t>
             </a:fld>
             <a:endParaRPr lang="zh-CN" altLang="en-US"/>
           </a:p>
@@ -541,7 +690,7 @@
           <a:p>
             <a:fld id="{BF735079-B7C7-43A0-B3B1-06810D1A2A92}" type="datetimeFigureOut">
               <a:rPr lang="zh-CN" altLang="en-US" smtClean="0"/>
-              <a:t>2022/11/24</a:t>
+              <a:t>2022/11/25</a:t>
             </a:fld>
             <a:endParaRPr lang="zh-CN" altLang="en-US"/>
           </a:p>
@@ -751,7 +900,7 @@
           <a:p>
             <a:fld id="{BF735079-B7C7-43A0-B3B1-06810D1A2A92}" type="datetimeFigureOut">
               <a:rPr lang="zh-CN" altLang="en-US" smtClean="0"/>
-              <a:t>2022/11/24</a:t>
+              <a:t>2022/11/25</a:t>
             </a:fld>
             <a:endParaRPr lang="zh-CN" altLang="en-US"/>
           </a:p>
@@ -951,7 +1100,7 @@
           <a:p>
             <a:fld id="{BF735079-B7C7-43A0-B3B1-06810D1A2A92}" type="datetimeFigureOut">
               <a:rPr lang="zh-CN" altLang="en-US" smtClean="0"/>
-              <a:t>2022/11/24</a:t>
+              <a:t>2022/11/25</a:t>
             </a:fld>
             <a:endParaRPr lang="zh-CN" altLang="en-US"/>
           </a:p>
@@ -1227,7 +1376,7 @@
           <a:p>
             <a:fld id="{BF735079-B7C7-43A0-B3B1-06810D1A2A92}" type="datetimeFigureOut">
               <a:rPr lang="zh-CN" altLang="en-US" smtClean="0"/>
-              <a:t>2022/11/24</a:t>
+              <a:t>2022/11/25</a:t>
             </a:fld>
             <a:endParaRPr lang="zh-CN" altLang="en-US"/>
           </a:p>
@@ -1495,7 +1644,7 @@
           <a:p>
             <a:fld id="{BF735079-B7C7-43A0-B3B1-06810D1A2A92}" type="datetimeFigureOut">
               <a:rPr lang="zh-CN" altLang="en-US" smtClean="0"/>
-              <a:t>2022/11/24</a:t>
+              <a:t>2022/11/25</a:t>
             </a:fld>
             <a:endParaRPr lang="zh-CN" altLang="en-US"/>
           </a:p>
@@ -1910,7 +2059,7 @@
           <a:p>
             <a:fld id="{BF735079-B7C7-43A0-B3B1-06810D1A2A92}" type="datetimeFigureOut">
               <a:rPr lang="zh-CN" altLang="en-US" smtClean="0"/>
-              <a:t>2022/11/24</a:t>
+              <a:t>2022/11/25</a:t>
             </a:fld>
             <a:endParaRPr lang="zh-CN" altLang="en-US"/>
           </a:p>
@@ -2052,7 +2201,7 @@
           <a:p>
             <a:fld id="{BF735079-B7C7-43A0-B3B1-06810D1A2A92}" type="datetimeFigureOut">
               <a:rPr lang="zh-CN" altLang="en-US" smtClean="0"/>
-              <a:t>2022/11/24</a:t>
+              <a:t>2022/11/25</a:t>
             </a:fld>
             <a:endParaRPr lang="zh-CN" altLang="en-US"/>
           </a:p>
@@ -2165,7 +2314,7 @@
           <a:p>
             <a:fld id="{BF735079-B7C7-43A0-B3B1-06810D1A2A92}" type="datetimeFigureOut">
               <a:rPr lang="zh-CN" altLang="en-US" smtClean="0"/>
-              <a:t>2022/11/24</a:t>
+              <a:t>2022/11/25</a:t>
             </a:fld>
             <a:endParaRPr lang="zh-CN" altLang="en-US"/>
           </a:p>
@@ -2478,7 +2627,7 @@
           <a:p>
             <a:fld id="{BF735079-B7C7-43A0-B3B1-06810D1A2A92}" type="datetimeFigureOut">
               <a:rPr lang="zh-CN" altLang="en-US" smtClean="0"/>
-              <a:t>2022/11/24</a:t>
+              <a:t>2022/11/25</a:t>
             </a:fld>
             <a:endParaRPr lang="zh-CN" altLang="en-US"/>
           </a:p>
@@ -2767,7 +2916,7 @@
           <a:p>
             <a:fld id="{BF735079-B7C7-43A0-B3B1-06810D1A2A92}" type="datetimeFigureOut">
               <a:rPr lang="zh-CN" altLang="en-US" smtClean="0"/>
-              <a:t>2022/11/24</a:t>
+              <a:t>2022/11/25</a:t>
             </a:fld>
             <a:endParaRPr lang="zh-CN" altLang="en-US"/>
           </a:p>
@@ -3010,7 +3159,7 @@
           <a:p>
             <a:fld id="{BF735079-B7C7-43A0-B3B1-06810D1A2A92}" type="datetimeFigureOut">
               <a:rPr lang="zh-CN" altLang="en-US" smtClean="0"/>
-              <a:t>2022/11/24</a:t>
+              <a:t>2022/11/25</a:t>
             </a:fld>
             <a:endParaRPr lang="zh-CN" altLang="en-US"/>
           </a:p>
@@ -3449,14 +3598,25 @@
           <a:lstStyle/>
           <a:p>
             <a:r>
-              <a:rPr lang="en-US" altLang="zh-CN" dirty="0" err="1"/>
+              <a:rPr lang="en-US" altLang="zh-CN" dirty="0" err="1">
+                <a:latin typeface="Calibri" panose="020F0502020204030204" pitchFamily="34" charset="0"/>
+                <a:ea typeface="Calibri" panose="020F0502020204030204" pitchFamily="34" charset="0"/>
+                <a:cs typeface="Calibri" panose="020F0502020204030204" pitchFamily="34" charset="0"/>
+              </a:rPr>
               <a:t>autocorrect.Speller</a:t>
             </a:r>
             <a:r>
-              <a:rPr lang="en-US" altLang="zh-CN" dirty="0"/>
+              <a:rPr lang="en-US" altLang="zh-CN" dirty="0">
+                <a:latin typeface="Calibri" panose="020F0502020204030204" pitchFamily="34" charset="0"/>
+                <a:ea typeface="Calibri" panose="020F0502020204030204" pitchFamily="34" charset="0"/>
+                <a:cs typeface="Calibri" panose="020F0502020204030204" pitchFamily="34" charset="0"/>
+              </a:rPr>
               <a:t>()</a:t>
             </a:r>
-            <a:endParaRPr lang="zh-CN" altLang="en-US" dirty="0"/>
+            <a:endParaRPr lang="zh-CN" altLang="en-US" dirty="0">
+              <a:latin typeface="Calibri" panose="020F0502020204030204" pitchFamily="34" charset="0"/>
+              <a:cs typeface="Calibri" panose="020F0502020204030204" pitchFamily="34" charset="0"/>
+            </a:endParaRPr>
           </a:p>
         </p:txBody>
       </p:sp>
@@ -3482,22 +3642,37 @@
           <a:lstStyle/>
           <a:p>
             <a:r>
-              <a:rPr lang="en-US" altLang="zh-CN" dirty="0"/>
+              <a:rPr lang="en-US" altLang="zh-CN" dirty="0">
+                <a:latin typeface="Calibri" panose="020F0502020204030204" pitchFamily="34" charset="0"/>
+                <a:ea typeface="Calibri" panose="020F0502020204030204" pitchFamily="34" charset="0"/>
+                <a:cs typeface="Calibri" panose="020F0502020204030204" pitchFamily="34" charset="0"/>
+              </a:rPr>
               <a:t>Yan Jin</a:t>
             </a:r>
           </a:p>
           <a:p>
             <a:r>
-              <a:rPr lang="en-US" altLang="zh-CN" dirty="0"/>
+              <a:rPr lang="en-US" altLang="zh-CN" dirty="0">
+                <a:latin typeface="Calibri" panose="020F0502020204030204" pitchFamily="34" charset="0"/>
+                <a:ea typeface="Calibri" panose="020F0502020204030204" pitchFamily="34" charset="0"/>
+                <a:cs typeface="Calibri" panose="020F0502020204030204" pitchFamily="34" charset="0"/>
+              </a:rPr>
               <a:t>3036021359</a:t>
             </a:r>
           </a:p>
           <a:p>
             <a:r>
-              <a:rPr lang="en-US" altLang="zh-CN" dirty="0"/>
+              <a:rPr lang="en-US" altLang="zh-CN" dirty="0">
+                <a:latin typeface="Calibri" panose="020F0502020204030204" pitchFamily="34" charset="0"/>
+                <a:ea typeface="Calibri" panose="020F0502020204030204" pitchFamily="34" charset="0"/>
+                <a:cs typeface="Calibri" panose="020F0502020204030204" pitchFamily="34" charset="0"/>
+              </a:rPr>
               <a:t>MFFinTech</a:t>
             </a:r>
-            <a:endParaRPr lang="zh-CN" altLang="en-US" dirty="0"/>
+            <a:endParaRPr lang="zh-CN" altLang="en-US" dirty="0">
+              <a:latin typeface="Calibri" panose="020F0502020204030204" pitchFamily="34" charset="0"/>
+              <a:cs typeface="Calibri" panose="020F0502020204030204" pitchFamily="34" charset="0"/>
+            </a:endParaRPr>
           </a:p>
         </p:txBody>
       </p:sp>
@@ -3553,10 +3728,17 @@
           <a:lstStyle/>
           <a:p>
             <a:r>
-              <a:rPr lang="en-US" altLang="zh-CN" dirty="0"/>
+              <a:rPr lang="en-US" altLang="zh-CN" dirty="0">
+                <a:latin typeface="Calibri" panose="020F0502020204030204" pitchFamily="34" charset="0"/>
+                <a:ea typeface="Calibri" panose="020F0502020204030204" pitchFamily="34" charset="0"/>
+                <a:cs typeface="Calibri" panose="020F0502020204030204" pitchFamily="34" charset="0"/>
+              </a:rPr>
               <a:t>What is it?</a:t>
             </a:r>
-            <a:endParaRPr lang="zh-CN" altLang="en-US" dirty="0"/>
+            <a:endParaRPr lang="zh-CN" altLang="en-US" dirty="0">
+              <a:latin typeface="Calibri" panose="020F0502020204030204" pitchFamily="34" charset="0"/>
+              <a:cs typeface="Calibri" panose="020F0502020204030204" pitchFamily="34" charset="0"/>
+            </a:endParaRPr>
           </a:p>
         </p:txBody>
       </p:sp>
@@ -3582,28 +3764,51 @@
           <a:lstStyle/>
           <a:p>
             <a:r>
-              <a:rPr lang="en-US" altLang="zh-CN" dirty="0"/>
+              <a:rPr lang="en-US" altLang="zh-CN" dirty="0">
+                <a:latin typeface="Calibri" panose="020F0502020204030204" pitchFamily="34" charset="0"/>
+                <a:ea typeface="Calibri" panose="020F0502020204030204" pitchFamily="34" charset="0"/>
+                <a:cs typeface="Calibri" panose="020F0502020204030204" pitchFamily="34" charset="0"/>
+              </a:rPr>
               <a:t>A third-party library aiming at providing spelling correction on multiple languages.</a:t>
             </a:r>
           </a:p>
           <a:p>
-            <a:endParaRPr lang="en-US" altLang="zh-CN" dirty="0"/>
-          </a:p>
-          <a:p>
-            <a:r>
-              <a:rPr lang="en-US" altLang="zh-CN" dirty="0"/>
+            <a:endParaRPr lang="en-US" altLang="zh-CN" dirty="0">
+              <a:latin typeface="Calibri" panose="020F0502020204030204" pitchFamily="34" charset="0"/>
+              <a:ea typeface="Calibri" panose="020F0502020204030204" pitchFamily="34" charset="0"/>
+              <a:cs typeface="Calibri" panose="020F0502020204030204" pitchFamily="34" charset="0"/>
+            </a:endParaRPr>
+          </a:p>
+          <a:p>
+            <a:r>
+              <a:rPr lang="en-US" altLang="zh-CN" dirty="0">
+                <a:latin typeface="Calibri" panose="020F0502020204030204" pitchFamily="34" charset="0"/>
+                <a:ea typeface="Calibri" panose="020F0502020204030204" pitchFamily="34" charset="0"/>
+                <a:cs typeface="Calibri" panose="020F0502020204030204" pitchFamily="34" charset="0"/>
+              </a:rPr>
               <a:t>Supporting 12 Indo-European languages, and extendable.</a:t>
             </a:r>
           </a:p>
           <a:p>
-            <a:endParaRPr lang="en-US" altLang="zh-CN" dirty="0"/>
-          </a:p>
-          <a:p>
-            <a:r>
-              <a:rPr lang="en-US" altLang="zh-CN" dirty="0"/>
+            <a:endParaRPr lang="en-US" altLang="zh-CN" dirty="0">
+              <a:latin typeface="Calibri" panose="020F0502020204030204" pitchFamily="34" charset="0"/>
+              <a:ea typeface="Calibri" panose="020F0502020204030204" pitchFamily="34" charset="0"/>
+              <a:cs typeface="Calibri" panose="020F0502020204030204" pitchFamily="34" charset="0"/>
+            </a:endParaRPr>
+          </a:p>
+          <a:p>
+            <a:r>
+              <a:rPr lang="en-US" altLang="zh-CN" dirty="0">
+                <a:latin typeface="Calibri" panose="020F0502020204030204" pitchFamily="34" charset="0"/>
+                <a:ea typeface="Calibri" panose="020F0502020204030204" pitchFamily="34" charset="0"/>
+                <a:cs typeface="Calibri" panose="020F0502020204030204" pitchFamily="34" charset="0"/>
+              </a:rPr>
               <a:t>Based on regular expression matching and probabilistic modelling.</a:t>
             </a:r>
-            <a:endParaRPr lang="zh-CN" altLang="en-US" dirty="0"/>
+            <a:endParaRPr lang="zh-CN" altLang="en-US" dirty="0">
+              <a:latin typeface="Calibri" panose="020F0502020204030204" pitchFamily="34" charset="0"/>
+              <a:cs typeface="Calibri" panose="020F0502020204030204" pitchFamily="34" charset="0"/>
+            </a:endParaRPr>
           </a:p>
         </p:txBody>
       </p:sp>
@@ -3659,60 +3864,339 @@
           <a:lstStyle/>
           <a:p>
             <a:r>
-              <a:rPr lang="en-US" altLang="zh-CN" dirty="0"/>
+              <a:rPr lang="en-US" altLang="zh-CN" dirty="0">
+                <a:latin typeface="Calibri" panose="020F0502020204030204" pitchFamily="34" charset="0"/>
+                <a:ea typeface="Calibri" panose="020F0502020204030204" pitchFamily="34" charset="0"/>
+                <a:cs typeface="Calibri" panose="020F0502020204030204" pitchFamily="34" charset="0"/>
+              </a:rPr>
               <a:t>How to use it?</a:t>
             </a:r>
-            <a:endParaRPr lang="zh-CN" altLang="en-US" dirty="0"/>
-          </a:p>
-        </p:txBody>
-      </p:sp>
-      <p:sp>
-        <p:nvSpPr>
-          <p:cNvPr id="3" name="Content Placeholder 2">
-            <a:extLst>
-              <a:ext uri="{FF2B5EF4-FFF2-40B4-BE49-F238E27FC236}">
-                <a16:creationId xmlns:a16="http://schemas.microsoft.com/office/drawing/2014/main" id="{57CAEB7B-E940-1AC1-7942-8F1182410F32}"/>
-              </a:ext>
-            </a:extLst>
-          </p:cNvPr>
-          <p:cNvSpPr>
-            <a:spLocks noGrp="1"/>
-          </p:cNvSpPr>
+            <a:endParaRPr lang="zh-CN" altLang="en-US" dirty="0">
+              <a:latin typeface="Calibri" panose="020F0502020204030204" pitchFamily="34" charset="0"/>
+              <a:cs typeface="Calibri" panose="020F0502020204030204" pitchFamily="34" charset="0"/>
+            </a:endParaRPr>
+          </a:p>
+        </p:txBody>
+      </p:sp>
+      <p:pic>
+        <p:nvPicPr>
+          <p:cNvPr id="13" name="Content Placeholder 12" descr="Text&#10;&#10;Description automatically generated">
+            <a:extLst>
+              <a:ext uri="{FF2B5EF4-FFF2-40B4-BE49-F238E27FC236}">
+                <a16:creationId xmlns:a16="http://schemas.microsoft.com/office/drawing/2014/main" id="{E77E7753-1160-2AE0-7614-30781FCE3A73}"/>
+              </a:ext>
+            </a:extLst>
+          </p:cNvPr>
+          <p:cNvPicPr>
+            <a:picLocks noGrp="1" noChangeAspect="1"/>
+          </p:cNvPicPr>
           <p:nvPr>
             <p:ph idx="1"/>
           </p:nvPr>
-        </p:nvSpPr>
-        <p:spPr/>
-        <p:txBody>
-          <a:bodyPr/>
-          <a:lstStyle/>
-          <a:p>
-            <a:r>
-              <a:rPr lang="en-US" altLang="zh-CN" dirty="0"/>
-              <a:t>Install the library:</a:t>
-            </a:r>
-          </a:p>
-          <a:p>
-            <a:pPr marL="457200" lvl="1" indent="0">
-              <a:buNone/>
-            </a:pPr>
-            <a:r>
-              <a:rPr lang="en-US" altLang="zh-CN" dirty="0"/>
-              <a:t>Python3 –m pip install autocorrect</a:t>
-            </a:r>
-          </a:p>
-          <a:p>
-            <a:endParaRPr lang="en-US" altLang="zh-CN"/>
-          </a:p>
-          <a:p>
-            <a:endParaRPr lang="en-US" altLang="zh-CN" dirty="0"/>
-          </a:p>
-        </p:txBody>
-      </p:sp>
+        </p:nvPicPr>
+        <p:blipFill>
+          <a:blip r:embed="rId2">
+            <a:extLst>
+              <a:ext uri="{28A0092B-C50C-407E-A947-70E740481C1C}">
+                <a14:useLocalDpi xmlns:a14="http://schemas.microsoft.com/office/drawing/2010/main" val="0"/>
+              </a:ext>
+            </a:extLst>
+          </a:blip>
+          <a:stretch>
+            <a:fillRect/>
+          </a:stretch>
+        </p:blipFill>
+        <p:spPr>
+          <a:xfrm>
+            <a:off x="1792857" y="1825625"/>
+            <a:ext cx="8606285" cy="4351338"/>
+          </a:xfrm>
+        </p:spPr>
+      </p:pic>
     </p:spTree>
     <p:extLst>
       <p:ext uri="{BB962C8B-B14F-4D97-AF65-F5344CB8AC3E}">
         <p14:creationId xmlns:p14="http://schemas.microsoft.com/office/powerpoint/2010/main" val="455518959"/>
+      </p:ext>
+    </p:extLst>
+  </p:cSld>
+  <p:clrMapOvr>
+    <a:masterClrMapping/>
+  </p:clrMapOvr>
+</p:sld>
+</file>
+
+<file path=ppt/slides/slide4.xml><?xml version="1.0" encoding="utf-8"?>
+<p:sld xmlns:a="http://schemas.openxmlformats.org/drawingml/2006/main" xmlns:r="http://schemas.openxmlformats.org/officeDocument/2006/relationships" xmlns:p="http://schemas.openxmlformats.org/presentationml/2006/main">
+  <p:cSld>
+    <p:spTree>
+      <p:nvGrpSpPr>
+        <p:cNvPr id="1" name=""/>
+        <p:cNvGrpSpPr/>
+        <p:nvPr/>
+      </p:nvGrpSpPr>
+      <p:grpSpPr>
+        <a:xfrm>
+          <a:off x="0" y="0"/>
+          <a:ext cx="0" cy="0"/>
+          <a:chOff x="0" y="0"/>
+          <a:chExt cx="0" cy="0"/>
+        </a:xfrm>
+      </p:grpSpPr>
+      <p:sp>
+        <p:nvSpPr>
+          <p:cNvPr id="2" name="Title 1">
+            <a:extLst>
+              <a:ext uri="{FF2B5EF4-FFF2-40B4-BE49-F238E27FC236}">
+                <a16:creationId xmlns:a16="http://schemas.microsoft.com/office/drawing/2014/main" id="{0BD499FA-4748-1D18-F1D6-6B6F9356545A}"/>
+              </a:ext>
+            </a:extLst>
+          </p:cNvPr>
+          <p:cNvSpPr>
+            <a:spLocks noGrp="1"/>
+          </p:cNvSpPr>
+          <p:nvPr>
+            <p:ph type="title"/>
+          </p:nvPr>
+        </p:nvSpPr>
+        <p:spPr/>
+        <p:txBody>
+          <a:bodyPr/>
+          <a:lstStyle/>
+          <a:p>
+            <a:r>
+              <a:rPr lang="en-US" altLang="zh-CN" dirty="0">
+                <a:latin typeface="Calibri" panose="020F0502020204030204" pitchFamily="34" charset="0"/>
+                <a:ea typeface="Calibri" panose="020F0502020204030204" pitchFamily="34" charset="0"/>
+                <a:cs typeface="Calibri" panose="020F0502020204030204" pitchFamily="34" charset="0"/>
+              </a:rPr>
+              <a:t>Function Details</a:t>
+            </a:r>
+            <a:endParaRPr lang="zh-CN" altLang="en-US" dirty="0">
+              <a:latin typeface="Calibri" panose="020F0502020204030204" pitchFamily="34" charset="0"/>
+              <a:cs typeface="Calibri" panose="020F0502020204030204" pitchFamily="34" charset="0"/>
+            </a:endParaRPr>
+          </a:p>
+        </p:txBody>
+      </p:sp>
+      <p:pic>
+        <p:nvPicPr>
+          <p:cNvPr id="5" name="Content Placeholder 4" descr="Text&#10;&#10;Description automatically generated">
+            <a:extLst>
+              <a:ext uri="{FF2B5EF4-FFF2-40B4-BE49-F238E27FC236}">
+                <a16:creationId xmlns:a16="http://schemas.microsoft.com/office/drawing/2014/main" id="{E560CCF4-B511-FB67-A186-A55C29FCDBC3}"/>
+              </a:ext>
+            </a:extLst>
+          </p:cNvPr>
+          <p:cNvPicPr>
+            <a:picLocks noGrp="1" noChangeAspect="1"/>
+          </p:cNvPicPr>
+          <p:nvPr>
+            <p:ph idx="1"/>
+          </p:nvPr>
+        </p:nvPicPr>
+        <p:blipFill>
+          <a:blip r:embed="rId2">
+            <a:extLst>
+              <a:ext uri="{28A0092B-C50C-407E-A947-70E740481C1C}">
+                <a14:useLocalDpi xmlns:a14="http://schemas.microsoft.com/office/drawing/2010/main" val="0"/>
+              </a:ext>
+            </a:extLst>
+          </a:blip>
+          <a:stretch>
+            <a:fillRect/>
+          </a:stretch>
+        </p:blipFill>
+        <p:spPr>
+          <a:xfrm>
+            <a:off x="4783183" y="113209"/>
+            <a:ext cx="7408817" cy="2632080"/>
+          </a:xfrm>
+        </p:spPr>
+      </p:pic>
+      <p:pic>
+        <p:nvPicPr>
+          <p:cNvPr id="11" name="Picture 10" descr="Graphical user interface, text, application&#10;&#10;Description automatically generated">
+            <a:extLst>
+              <a:ext uri="{FF2B5EF4-FFF2-40B4-BE49-F238E27FC236}">
+                <a16:creationId xmlns:a16="http://schemas.microsoft.com/office/drawing/2014/main" id="{766DF1A2-2DEE-BAEB-1DF1-E8C8BAFC8052}"/>
+              </a:ext>
+            </a:extLst>
+          </p:cNvPr>
+          <p:cNvPicPr>
+            <a:picLocks noChangeAspect="1"/>
+          </p:cNvPicPr>
+          <p:nvPr/>
+        </p:nvPicPr>
+        <p:blipFill>
+          <a:blip r:embed="rId3">
+            <a:extLst>
+              <a:ext uri="{28A0092B-C50C-407E-A947-70E740481C1C}">
+                <a14:useLocalDpi xmlns:a14="http://schemas.microsoft.com/office/drawing/2010/main" val="0"/>
+              </a:ext>
+            </a:extLst>
+          </a:blip>
+          <a:stretch>
+            <a:fillRect/>
+          </a:stretch>
+        </p:blipFill>
+        <p:spPr>
+          <a:xfrm>
+            <a:off x="2583180" y="2745289"/>
+            <a:ext cx="7025640" cy="3581584"/>
+          </a:xfrm>
+          <a:prstGeom prst="rect">
+            <a:avLst/>
+          </a:prstGeom>
+        </p:spPr>
+      </p:pic>
+    </p:spTree>
+    <p:extLst>
+      <p:ext uri="{BB962C8B-B14F-4D97-AF65-F5344CB8AC3E}">
+        <p14:creationId xmlns:p14="http://schemas.microsoft.com/office/powerpoint/2010/main" val="3197501897"/>
+      </p:ext>
+    </p:extLst>
+  </p:cSld>
+  <p:clrMapOvr>
+    <a:masterClrMapping/>
+  </p:clrMapOvr>
+</p:sld>
+</file>
+
+<file path=ppt/slides/slide5.xml><?xml version="1.0" encoding="utf-8"?>
+<p:sld xmlns:a="http://schemas.openxmlformats.org/drawingml/2006/main" xmlns:r="http://schemas.openxmlformats.org/officeDocument/2006/relationships" xmlns:p="http://schemas.openxmlformats.org/presentationml/2006/main">
+  <p:cSld>
+    <p:spTree>
+      <p:nvGrpSpPr>
+        <p:cNvPr id="1" name=""/>
+        <p:cNvGrpSpPr/>
+        <p:nvPr/>
+      </p:nvGrpSpPr>
+      <p:grpSpPr>
+        <a:xfrm>
+          <a:off x="0" y="0"/>
+          <a:ext cx="0" cy="0"/>
+          <a:chOff x="0" y="0"/>
+          <a:chExt cx="0" cy="0"/>
+        </a:xfrm>
+      </p:grpSpPr>
+      <p:sp>
+        <p:nvSpPr>
+          <p:cNvPr id="2" name="Title 1">
+            <a:extLst>
+              <a:ext uri="{FF2B5EF4-FFF2-40B4-BE49-F238E27FC236}">
+                <a16:creationId xmlns:a16="http://schemas.microsoft.com/office/drawing/2014/main" id="{D04FE546-C9A4-7286-5975-5690FAFA352C}"/>
+              </a:ext>
+            </a:extLst>
+          </p:cNvPr>
+          <p:cNvSpPr>
+            <a:spLocks noGrp="1"/>
+          </p:cNvSpPr>
+          <p:nvPr>
+            <p:ph type="title"/>
+          </p:nvPr>
+        </p:nvSpPr>
+        <p:spPr/>
+        <p:txBody>
+          <a:bodyPr/>
+          <a:lstStyle/>
+          <a:p>
+            <a:r>
+              <a:rPr lang="en-US" altLang="zh-CN" dirty="0" err="1">
+                <a:latin typeface="Calibri" panose="020F0502020204030204" pitchFamily="34" charset="0"/>
+                <a:cs typeface="Calibri" panose="020F0502020204030204" pitchFamily="34" charset="0"/>
+              </a:rPr>
+              <a:t>Renference</a:t>
+            </a:r>
+            <a:endParaRPr lang="zh-CN" altLang="en-US" dirty="0">
+              <a:latin typeface="Calibri" panose="020F0502020204030204" pitchFamily="34" charset="0"/>
+              <a:cs typeface="Calibri" panose="020F0502020204030204" pitchFamily="34" charset="0"/>
+            </a:endParaRPr>
+          </a:p>
+        </p:txBody>
+      </p:sp>
+      <p:sp>
+        <p:nvSpPr>
+          <p:cNvPr id="3" name="Content Placeholder 2">
+            <a:extLst>
+              <a:ext uri="{FF2B5EF4-FFF2-40B4-BE49-F238E27FC236}">
+                <a16:creationId xmlns:a16="http://schemas.microsoft.com/office/drawing/2014/main" id="{01C0AC92-B567-64F0-F961-BBCFBB2B6A45}"/>
+              </a:ext>
+            </a:extLst>
+          </p:cNvPr>
+          <p:cNvSpPr>
+            <a:spLocks noGrp="1"/>
+          </p:cNvSpPr>
+          <p:nvPr>
+            <p:ph idx="1"/>
+          </p:nvPr>
+        </p:nvSpPr>
+        <p:spPr/>
+        <p:txBody>
+          <a:bodyPr/>
+          <a:lstStyle/>
+          <a:p>
+            <a:r>
+              <a:rPr lang="en-US" altLang="zh-CN" dirty="0">
+                <a:latin typeface="Calibri" panose="020F0502020204030204" pitchFamily="34" charset="0"/>
+                <a:cs typeface="Calibri" panose="020F0502020204030204" pitchFamily="34" charset="0"/>
+                <a:hlinkClick r:id="rId2"/>
+              </a:rPr>
+              <a:t>https://github.com/filyp/autocorrect</a:t>
+            </a:r>
+            <a:endParaRPr lang="en-US" altLang="zh-CN" dirty="0">
+              <a:latin typeface="Calibri" panose="020F0502020204030204" pitchFamily="34" charset="0"/>
+              <a:cs typeface="Calibri" panose="020F0502020204030204" pitchFamily="34" charset="0"/>
+            </a:endParaRPr>
+          </a:p>
+          <a:p>
+            <a:r>
+              <a:rPr lang="en-US" altLang="zh-CN" dirty="0">
+                <a:latin typeface="Calibri" panose="020F0502020204030204" pitchFamily="34" charset="0"/>
+                <a:cs typeface="Calibri" panose="020F0502020204030204" pitchFamily="34" charset="0"/>
+                <a:hlinkClick r:id="rId3"/>
+              </a:rPr>
+              <a:t>https://norvig.com/spell-correct.html</a:t>
+            </a:r>
+            <a:endParaRPr lang="en-US" altLang="zh-CN" dirty="0">
+              <a:latin typeface="Calibri" panose="020F0502020204030204" pitchFamily="34" charset="0"/>
+              <a:cs typeface="Calibri" panose="020F0502020204030204" pitchFamily="34" charset="0"/>
+            </a:endParaRPr>
+          </a:p>
+          <a:p>
+            <a:r>
+              <a:rPr lang="en-US" altLang="zh-CN" dirty="0">
+                <a:latin typeface="Calibri" panose="020F0502020204030204" pitchFamily="34" charset="0"/>
+                <a:cs typeface="Calibri" panose="020F0502020204030204" pitchFamily="34" charset="0"/>
+                <a:hlinkClick r:id="rId4"/>
+              </a:rPr>
+              <a:t>https://github.com/phatpiglet</a:t>
+            </a:r>
+            <a:r>
+              <a:rPr lang="en-US" altLang="zh-CN">
+                <a:latin typeface="Calibri" panose="020F0502020204030204" pitchFamily="34" charset="0"/>
+                <a:cs typeface="Calibri" panose="020F0502020204030204" pitchFamily="34" charset="0"/>
+                <a:hlinkClick r:id="rId4"/>
+              </a:rPr>
+              <a:t>/autocorrect</a:t>
+            </a:r>
+            <a:endParaRPr lang="en-US" altLang="zh-CN">
+              <a:latin typeface="Calibri" panose="020F0502020204030204" pitchFamily="34" charset="0"/>
+              <a:cs typeface="Calibri" panose="020F0502020204030204" pitchFamily="34" charset="0"/>
+            </a:endParaRPr>
+          </a:p>
+          <a:p>
+            <a:endParaRPr lang="zh-CN" altLang="en-US" dirty="0">
+              <a:latin typeface="Calibri" panose="020F0502020204030204" pitchFamily="34" charset="0"/>
+              <a:cs typeface="Calibri" panose="020F0502020204030204" pitchFamily="34" charset="0"/>
+            </a:endParaRPr>
+          </a:p>
+        </p:txBody>
+      </p:sp>
+    </p:spTree>
+    <p:extLst>
+      <p:ext uri="{BB962C8B-B14F-4D97-AF65-F5344CB8AC3E}">
+        <p14:creationId xmlns:p14="http://schemas.microsoft.com/office/powerpoint/2010/main" val="3408809354"/>
       </p:ext>
     </p:extLst>
   </p:cSld>
